--- a/Code_Review_and_Standups.pptx
+++ b/Code_Review_and_Standups.pptx
@@ -4617,7 +4617,7 @@
         </p:nvSpPr>
         <p:spPr>
           <a:xfrm>
-            <a:off x="457200" y="1426560"/>
+            <a:off x="457200" y="1684466"/>
             <a:ext cx="8229600" cy="1066799"/>
           </a:xfrm>
           <a:prstGeom prst="rect">
@@ -4705,7 +4705,7 @@
         </p:nvSpPr>
         <p:spPr>
           <a:xfrm>
-            <a:off x="457200" y="2569560"/>
+            <a:off x="457200" y="2827466"/>
             <a:ext cx="8229600" cy="3733800"/>
           </a:xfrm>
           <a:prstGeom prst="rect">
@@ -5076,7 +5076,7 @@
         </p:nvSpPr>
         <p:spPr>
           <a:xfrm>
-            <a:off x="304800" y="1474692"/>
+            <a:off x="304800" y="1591922"/>
             <a:ext cx="8458200" cy="1066799"/>
           </a:xfrm>
           <a:prstGeom prst="rect">
@@ -5111,7 +5111,7 @@
               <a:buChar char="•"/>
             </a:pPr>
             <a:r>
-              <a:rPr lang="en-US" sz="2800" b="0" i="0" u="none">
+              <a:rPr lang="en-US" sz="2800" b="0" i="0" u="none" dirty="0">
                 <a:solidFill>
                   <a:schemeClr val="dk1"/>
                 </a:solidFill>
@@ -5142,7 +5142,7 @@
               <a:buChar char="–"/>
             </a:pPr>
             <a:r>
-              <a:rPr lang="en-US" sz="2400" b="0" i="0" u="none" strike="noStrike" cap="none">
+              <a:rPr lang="en-US" sz="2400" b="0" i="0" u="none" strike="noStrike" cap="none" dirty="0">
                 <a:solidFill>
                   <a:schemeClr val="dk1"/>
                 </a:solidFill>
@@ -5173,7 +5173,7 @@
               <a:buChar char="•"/>
             </a:pPr>
             <a:r>
-              <a:rPr lang="en-US" sz="2800" b="0" i="0" u="none">
+              <a:rPr lang="en-US" sz="2800" b="0" i="0" u="none" dirty="0">
                 <a:solidFill>
                   <a:schemeClr val="dk1"/>
                 </a:solidFill>
@@ -5195,7 +5195,7 @@
         </p:nvSpPr>
         <p:spPr>
           <a:xfrm>
-            <a:off x="457200" y="3151092"/>
+            <a:off x="457200" y="3268322"/>
             <a:ext cx="8229600" cy="3200399"/>
           </a:xfrm>
           <a:prstGeom prst="rect">

--- a/Code_Review_and_Standups.pptx
+++ b/Code_Review_and_Standups.pptx
@@ -4983,6 +4983,13 @@
   <p:clrMapOvr>
     <a:masterClrMapping/>
   </p:clrMapOvr>
+  <p:timing>
+    <p:tnLst>
+      <p:par>
+        <p:cTn id="1" dur="indefinite" restart="never" nodeType="tmRoot"/>
+      </p:par>
+    </p:tnLst>
+  </p:timing>
 </p:sld>
 </file>
 
@@ -5442,6 +5449,13 @@
   <p:clrMapOvr>
     <a:masterClrMapping/>
   </p:clrMapOvr>
+  <p:timing>
+    <p:tnLst>
+      <p:par>
+        <p:cTn id="1" dur="indefinite" restart="never" nodeType="tmRoot"/>
+      </p:par>
+    </p:tnLst>
+  </p:timing>
 </p:sld>
 </file>
 
